--- a/3_SVM_Kmeans/第三回勉強会資料.pptx
+++ b/3_SVM_Kmeans/第三回勉強会資料.pptx
@@ -5703,14 +5703,14 @@
           <a:noFill/>
           <a:extLst>
             <a:ext uri="{909E8E84-426E-40dd-AFC4-6F175D3DCCD1}">
-              <a14:hiddenFill xmlns="" xmlns:a14="http://schemas.microsoft.com/office/drawing/2010/main">
+              <a14:hiddenFill xmlns:a14="http://schemas.microsoft.com/office/drawing/2010/main" xmlns="">
                 <a:solidFill>
                   <a:srgbClr val="FFFFFF"/>
                 </a:solidFill>
               </a14:hiddenFill>
             </a:ext>
             <a:ext uri="{91240B29-F687-4f45-9708-019B960494DF}">
-              <a14:hiddenLine xmlns="" xmlns:a14="http://schemas.microsoft.com/office/drawing/2010/main" w="9525">
+              <a14:hiddenLine xmlns:a14="http://schemas.microsoft.com/office/drawing/2010/main" xmlns="" w="9525">
                 <a:solidFill>
                   <a:srgbClr val="000000"/>
                 </a:solidFill>
@@ -5736,7 +5736,31 @@
                 <a:ea typeface="メイリオ" panose="020B0604030504040204" pitchFamily="50" charset="-128"/>
                 <a:cs typeface="ヒラギノ角ゴ Pro W3" charset="0"/>
               </a:rPr>
-              <a:t>第一回 データサイエンス勉強会</a:t>
+              <a:t>第</a:t>
+            </a:r>
+            <a:r>
+              <a:rPr lang="en-US" altLang="ja-JP" sz="2400" dirty="0" smtClean="0">
+                <a:latin typeface="メイリオ" panose="020B0604030504040204" pitchFamily="50" charset="-128"/>
+                <a:ea typeface="メイリオ" panose="020B0604030504040204" pitchFamily="50" charset="-128"/>
+                <a:cs typeface="ヒラギノ角ゴ Pro W3" charset="0"/>
+              </a:rPr>
+              <a:t>3</a:t>
+            </a:r>
+            <a:r>
+              <a:rPr lang="ja-JP" altLang="en-US" sz="2400" dirty="0" smtClean="0">
+                <a:latin typeface="メイリオ" panose="020B0604030504040204" pitchFamily="50" charset="-128"/>
+                <a:ea typeface="メイリオ" panose="020B0604030504040204" pitchFamily="50" charset="-128"/>
+                <a:cs typeface="ヒラギノ角ゴ Pro W3" charset="0"/>
+              </a:rPr>
+              <a:t>回 </a:t>
+            </a:r>
+            <a:r>
+              <a:rPr lang="ja-JP" altLang="en-US" sz="2400" dirty="0" smtClean="0">
+                <a:latin typeface="メイリオ" panose="020B0604030504040204" pitchFamily="50" charset="-128"/>
+                <a:ea typeface="メイリオ" panose="020B0604030504040204" pitchFamily="50" charset="-128"/>
+                <a:cs typeface="ヒラギノ角ゴ Pro W3" charset="0"/>
+              </a:rPr>
+              <a:t>データサイエンス勉強会</a:t>
             </a:r>
             <a:r>
               <a:rPr lang="en-US" altLang="ja-JP" sz="2400" dirty="0" smtClean="0">
@@ -5768,6 +5792,20 @@
               <a:t>- </a:t>
             </a:r>
             <a:r>
+              <a:rPr lang="en-US" altLang="ja-JP" sz="1800" dirty="0" smtClean="0">
+                <a:solidFill>
+                  <a:schemeClr val="tx1">
+                    <a:lumMod val="50000"/>
+                    <a:lumOff val="50000"/>
+                  </a:schemeClr>
+                </a:solidFill>
+                <a:latin typeface="メイリオ" panose="020B0604030504040204" pitchFamily="50" charset="-128"/>
+                <a:ea typeface="メイリオ" panose="020B0604030504040204" pitchFamily="50" charset="-128"/>
+                <a:cs typeface="ヒラギノ角ゴ Pro W3" charset="0"/>
+              </a:rPr>
+              <a:t>SVM</a:t>
+            </a:r>
+            <a:r>
               <a:rPr lang="ja-JP" altLang="en-US" sz="1800" dirty="0" smtClean="0">
                 <a:solidFill>
                   <a:schemeClr val="tx1">
@@ -5779,7 +5817,7 @@
                 <a:ea typeface="メイリオ" panose="020B0604030504040204" pitchFamily="50" charset="-128"/>
                 <a:cs typeface="ヒラギノ角ゴ Pro W3" charset="0"/>
               </a:rPr>
-              <a:t>ロジスティック回帰とランダムフォレスト回帰、勾配ブースティング</a:t>
+              <a:t>と</a:t>
             </a:r>
             <a:r>
               <a:rPr lang="en-US" altLang="ja-JP" sz="1800" dirty="0" smtClean="0">
@@ -5793,7 +5831,7 @@
                 <a:ea typeface="メイリオ" panose="020B0604030504040204" pitchFamily="50" charset="-128"/>
                 <a:cs typeface="ヒラギノ角ゴ Pro W3" charset="0"/>
               </a:rPr>
-              <a:t>-  </a:t>
+              <a:t>K-means-  </a:t>
             </a:r>
             <a:endParaRPr lang="ja-JP" altLang="en-US" sz="1800" dirty="0">
               <a:solidFill>
@@ -6530,8 +6568,8 @@
           </a:p>
         </p:txBody>
       </p:sp>
-      <mc:AlternateContent xmlns:mc="http://schemas.openxmlformats.org/markup-compatibility/2006">
-        <mc:Choice xmlns:a14="http://schemas.microsoft.com/office/drawing/2010/main" Requires="a14">
+      <mc:AlternateContent xmlns:mc="http://schemas.openxmlformats.org/markup-compatibility/2006" xmlns:a14="http://schemas.microsoft.com/office/drawing/2010/main">
+        <mc:Choice Requires="a14">
           <p:sp>
             <p:nvSpPr>
               <p:cNvPr id="4" name="テキスト ボックス 3"/>
@@ -6554,7 +6592,6 @@
               </a:bodyPr>
               <a:lstStyle/>
               <a:p>
-                <a:pPr/>
                 <a:r>
                   <a:rPr lang="en-US" altLang="ja-JP" sz="2400" dirty="0" smtClean="0"/>
                   <a:t>S</a:t>
@@ -6760,7 +6797,7 @@
             </p:txBody>
           </p:sp>
         </mc:Choice>
-        <mc:Fallback>
+        <mc:Fallback xmlns="">
           <p:sp>
             <p:nvSpPr>
               <p:cNvPr id="4" name="テキスト ボックス 3"/>
@@ -7238,7 +7275,6 @@
               <a:rPr lang="ja-JP" altLang="en-US" dirty="0"/>
               <a:t>戻る。</a:t>
             </a:r>
-            <a:endParaRPr lang="ja-JP" altLang="en-US" dirty="0"/>
           </a:p>
         </p:txBody>
       </p:sp>
@@ -8253,11 +8289,6 @@
               </a:rPr>
               <a:t>短所</a:t>
             </a:r>
-            <a:endParaRPr kumimoji="1" lang="ja-JP" altLang="en-US" sz="2000" b="1" dirty="0" smtClean="0">
-              <a:latin typeface="ヒラギノ角ゴ Pro W3"/>
-              <a:ea typeface="ヒラギノ角ゴ Pro W3"/>
-              <a:cs typeface="ヒラギノ角ゴ Pro W3"/>
-            </a:endParaRPr>
           </a:p>
         </p:txBody>
       </p:sp>
@@ -8872,14 +8903,7 @@
                 <a:latin typeface="メイリオ" panose="020B0604030504040204" pitchFamily="50" charset="-128"/>
                 <a:ea typeface="メイリオ" panose="020B0604030504040204" pitchFamily="50" charset="-128"/>
               </a:rPr>
-              <a:t>を</a:t>
-            </a:r>
-            <a:r>
-              <a:rPr kumimoji="1" lang="ja-JP" altLang="en-US" dirty="0" smtClean="0">
-                <a:latin typeface="メイリオ" panose="020B0604030504040204" pitchFamily="50" charset="-128"/>
-                <a:ea typeface="メイリオ" panose="020B0604030504040204" pitchFamily="50" charset="-128"/>
-              </a:rPr>
-              <a:t>取り上げる</a:t>
+              <a:t>を取り上げる</a:t>
             </a:r>
             <a:endParaRPr kumimoji="1" lang="ja-JP" altLang="en-US" dirty="0">
               <a:latin typeface="メイリオ" panose="020B0604030504040204" pitchFamily="50" charset="-128"/>
@@ -9042,15 +9066,7 @@
                 <a:ea typeface="メイリオ" panose="020B0604030504040204" pitchFamily="50" charset="-128"/>
                 <a:cs typeface="ヒラギノ角ゴ Pro W3"/>
               </a:rPr>
-              <a:t>(</a:t>
-            </a:r>
-            <a:r>
-              <a:rPr lang="en-US" altLang="ja-JP" sz="1400" dirty="0" smtClean="0">
-                <a:latin typeface="メイリオ" panose="020B0604030504040204" pitchFamily="50" charset="-128"/>
-                <a:ea typeface="メイリオ" panose="020B0604030504040204" pitchFamily="50" charset="-128"/>
-                <a:cs typeface="ヒラギノ角ゴ Pro W3"/>
-              </a:rPr>
-              <a:t>K-means</a:t>
+              <a:t>(K-means</a:t>
             </a:r>
             <a:r>
               <a:rPr lang="ja-JP" altLang="en-US" sz="1400" dirty="0" smtClean="0">
@@ -9506,14 +9522,7 @@
                 <a:latin typeface="メイリオ" panose="020B0604030504040204" pitchFamily="50" charset="-128"/>
                 <a:ea typeface="メイリオ" panose="020B0604030504040204" pitchFamily="50" charset="-128"/>
               </a:rPr>
-              <a:t>の</a:t>
-            </a:r>
-            <a:r>
-              <a:rPr lang="ja-JP" altLang="en-US" sz="1600" dirty="0" smtClean="0">
-                <a:latin typeface="メイリオ" panose="020B0604030504040204" pitchFamily="50" charset="-128"/>
-                <a:ea typeface="メイリオ" panose="020B0604030504040204" pitchFamily="50" charset="-128"/>
-              </a:rPr>
-              <a:t>イメージ</a:t>
+              <a:t>のイメージ</a:t>
             </a:r>
             <a:r>
               <a:rPr kumimoji="1" lang="en-US" altLang="ja-JP" dirty="0" smtClean="0">
@@ -9533,14 +9542,7 @@
                 <a:latin typeface="メイリオ" panose="020B0604030504040204" pitchFamily="50" charset="-128"/>
                 <a:ea typeface="メイリオ" panose="020B0604030504040204" pitchFamily="50" charset="-128"/>
               </a:rPr>
-              <a:t>ある個体について</a:t>
-            </a:r>
-            <a:r>
-              <a:rPr lang="ja-JP" altLang="en-US" dirty="0" smtClean="0">
-                <a:latin typeface="メイリオ" panose="020B0604030504040204" pitchFamily="50" charset="-128"/>
-                <a:ea typeface="メイリオ" panose="020B0604030504040204" pitchFamily="50" charset="-128"/>
-              </a:rPr>
-              <a:t>、どのクラスに分類されるかを推定する</a:t>
+              <a:t>ある個体について、どのクラスに分類されるかを推定する</a:t>
             </a:r>
             <a:endParaRPr kumimoji="1" lang="ja-JP" altLang="en-US" dirty="0">
               <a:latin typeface="メイリオ" panose="020B0604030504040204" pitchFamily="50" charset="-128"/>
@@ -10633,15 +10635,7 @@
                 <a:ea typeface="メイリオ" panose="020B0604030504040204" pitchFamily="50" charset="-128"/>
                 <a:cs typeface="ヒラギノ角ゴ Pro W3"/>
               </a:rPr>
-              <a:t>決定境界</a:t>
-            </a:r>
-            <a:r>
-              <a:rPr lang="ja-JP" altLang="en-US" sz="1600" dirty="0" smtClean="0">
-                <a:latin typeface="メイリオ" panose="020B0604030504040204" pitchFamily="50" charset="-128"/>
-                <a:ea typeface="メイリオ" panose="020B0604030504040204" pitchFamily="50" charset="-128"/>
-                <a:cs typeface="ヒラギノ角ゴ Pro W3"/>
-              </a:rPr>
-              <a:t>の</a:t>
+              <a:t>決定境界の</a:t>
             </a:r>
             <a:r>
               <a:rPr lang="ja-JP" altLang="en-US" sz="1600" dirty="0">
@@ -12090,11 +12084,6 @@
               </a:rPr>
               <a:t>を決定境界にする</a:t>
             </a:r>
-            <a:endParaRPr kumimoji="1" lang="ja-JP" altLang="en-US" dirty="0" smtClean="0">
-              <a:latin typeface="メイリオ" panose="020B0604030504040204" pitchFamily="50" charset="-128"/>
-              <a:ea typeface="メイリオ" panose="020B0604030504040204" pitchFamily="50" charset="-128"/>
-              <a:cs typeface="ヒラギノ角ゴ Pro W3"/>
-            </a:endParaRPr>
           </a:p>
         </p:txBody>
       </p:sp>
@@ -13044,14 +13033,7 @@
                 <a:latin typeface="メイリオ" panose="020B0604030504040204" pitchFamily="50" charset="-128"/>
                 <a:ea typeface="メイリオ" panose="020B0604030504040204" pitchFamily="50" charset="-128"/>
               </a:rPr>
-              <a:t>の</a:t>
-            </a:r>
-            <a:r>
-              <a:rPr lang="ja-JP" altLang="en-US" sz="1600" dirty="0" smtClean="0">
-                <a:latin typeface="メイリオ" panose="020B0604030504040204" pitchFamily="50" charset="-128"/>
-                <a:ea typeface="メイリオ" panose="020B0604030504040204" pitchFamily="50" charset="-128"/>
-              </a:rPr>
-              <a:t>イメージ</a:t>
+              <a:t>のイメージ</a:t>
             </a:r>
             <a:r>
               <a:rPr kumimoji="1" lang="en-US" altLang="ja-JP" dirty="0" smtClean="0">
